--- a/Pitch_Deck_V2.pptx
+++ b/Pitch_Deck_V2.pptx
@@ -2552,8 +2552,8 @@
 <p:sldMaster xmlns:a="http://schemas.openxmlformats.org/drawingml/2006/main" xmlns:r="http://schemas.openxmlformats.org/officeDocument/2006/relationships" xmlns:mc="http://schemas.openxmlformats.org/markup-compatibility/2006" xmlns:mv="urn:schemas-microsoft-com:mac:vml" xmlns:p="http://schemas.openxmlformats.org/presentationml/2006/main" mc:Ignorable="mv" mc:PreserveAttributes="mv:*">
   <p:cSld>
     <p:bg>
-      <p:bgRef idx="1001">
-        <a:schemeClr val="bg1"/>
+      <p:bgRef idx="1002">
+        <a:schemeClr val="bg2"/>
       </p:bgRef>
     </p:bg>
     <p:spTree>
@@ -3108,7 +3108,12 @@
             <p:ph type="ctrTitle"/>
           </p:nvPr>
         </p:nvSpPr>
-        <p:spPr/>
+        <p:spPr>
+          <a:xfrm>
+            <a:off x="685800" y="2130425"/>
+            <a:ext cx="7772400" cy="1984375"/>
+          </a:xfrm>
+        </p:spPr>
         <p:txBody>
           <a:bodyPr>
             <a:normAutofit fontScale="90000"/>
@@ -3116,7 +3121,7 @@
           <a:lstStyle/>
           <a:p>
             <a:r>
-              <a:rPr lang="en-US" dirty="0" smtClean="0"/>
+              <a:rPr lang="en-US" sz="5333" dirty="0" smtClean="0"/>
               <a:t>GA WDI Project Three</a:t>
             </a:r>
             <a:r>
@@ -3167,7 +3172,12 @@
             <p:ph type="subTitle" idx="1"/>
           </p:nvPr>
         </p:nvSpPr>
-        <p:spPr/>
+        <p:spPr>
+          <a:xfrm>
+            <a:off x="1371600" y="4692115"/>
+            <a:ext cx="6400800" cy="1752600"/>
+          </a:xfrm>
+        </p:spPr>
         <p:txBody>
           <a:bodyPr/>
           <a:lstStyle/>
@@ -4140,169 +4150,6 @@
           <a:chExt cx="0" cy="0"/>
         </a:xfrm>
       </p:grpSpPr>
-      <p:sp>
-        <p:nvSpPr>
-          <p:cNvPr id="2" name="Title 1"/>
-          <p:cNvSpPr>
-            <a:spLocks noGrp="1"/>
-          </p:cNvSpPr>
-          <p:nvPr>
-            <p:ph type="title"/>
-          </p:nvPr>
-        </p:nvSpPr>
-        <p:spPr/>
-        <p:txBody>
-          <a:bodyPr/>
-          <a:lstStyle/>
-          <a:p>
-            <a:r>
-              <a:rPr lang="en-US" dirty="0" smtClean="0"/>
-              <a:t>Why</a:t>
-            </a:r>
-            <a:r>
-              <a:rPr lang="en-US" dirty="0" smtClean="0"/>
-              <a:t> </a:t>
-            </a:r>
-            <a:r>
-              <a:rPr lang="en-US" i="1" dirty="0" smtClean="0">
-                <a:solidFill>
-                  <a:srgbClr val="FF0000"/>
-                </a:solidFill>
-              </a:rPr>
-              <a:t>SNPPR</a:t>
-            </a:r>
-            <a:r>
-              <a:rPr lang="en-US" i="1" dirty="0" smtClean="0">
-                <a:solidFill>
-                  <a:srgbClr val="FF0000"/>
-                </a:solidFill>
-              </a:rPr>
-              <a:t>?</a:t>
-            </a:r>
-            <a:endParaRPr lang="en-US" dirty="0"/>
-          </a:p>
-        </p:txBody>
-      </p:sp>
-      <p:sp>
-        <p:nvSpPr>
-          <p:cNvPr id="3" name="Content Placeholder 2"/>
-          <p:cNvSpPr>
-            <a:spLocks noGrp="1"/>
-          </p:cNvSpPr>
-          <p:nvPr>
-            <p:ph idx="1"/>
-          </p:nvPr>
-        </p:nvSpPr>
-        <p:spPr>
-          <a:xfrm>
-            <a:off x="457200" y="1600201"/>
-            <a:ext cx="8229600" cy="2620888"/>
-          </a:xfrm>
-        </p:spPr>
-        <p:txBody>
-          <a:bodyPr>
-            <a:normAutofit fontScale="85000" lnSpcReduction="10000"/>
-          </a:bodyPr>
-          <a:lstStyle/>
-          <a:p>
-            <a:r>
-              <a:rPr lang="en-US" dirty="0" smtClean="0"/>
-              <a:t>People want easier ways to share </a:t>
-            </a:r>
-            <a:r>
-              <a:rPr lang="en-US" dirty="0" smtClean="0"/>
-              <a:t>pictures/web </a:t>
-            </a:r>
-            <a:r>
-              <a:rPr lang="en-US" dirty="0" smtClean="0"/>
-              <a:t>links</a:t>
-            </a:r>
-            <a:r>
-              <a:rPr lang="en-US" dirty="0" smtClean="0"/>
-              <a:t> </a:t>
-            </a:r>
-            <a:r>
-              <a:rPr lang="en-US" dirty="0" smtClean="0"/>
-              <a:t>with their contacts</a:t>
-            </a:r>
-          </a:p>
-          <a:p>
-            <a:r>
-              <a:rPr lang="en-US" dirty="0" smtClean="0"/>
-              <a:t>Currently available </a:t>
-            </a:r>
-            <a:r>
-              <a:rPr lang="en-US" dirty="0" smtClean="0"/>
-              <a:t>picture-sharing </a:t>
-            </a:r>
-            <a:r>
-              <a:rPr lang="en-US" dirty="0" smtClean="0"/>
-              <a:t>methods are confusing</a:t>
-            </a:r>
-            <a:r>
-              <a:rPr lang="en-US" dirty="0" smtClean="0"/>
-              <a:t> and tedious for </a:t>
-            </a:r>
-            <a:r>
-              <a:rPr lang="en-US" dirty="0" smtClean="0"/>
-              <a:t>mature users</a:t>
-            </a:r>
-          </a:p>
-          <a:p>
-            <a:r>
-              <a:rPr lang="en-US" dirty="0" smtClean="0"/>
-              <a:t>People </a:t>
-            </a:r>
-            <a:r>
-              <a:rPr lang="en-US" dirty="0" smtClean="0"/>
-              <a:t>want to quickly share</a:t>
-            </a:r>
-            <a:r>
-              <a:rPr lang="en-US" dirty="0" smtClean="0"/>
-              <a:t> images </a:t>
-            </a:r>
-            <a:r>
-              <a:rPr lang="en-US" dirty="0" smtClean="0"/>
-              <a:t>and information,  without having to format or upload each piece.</a:t>
-            </a:r>
-          </a:p>
-        </p:txBody>
-      </p:sp>
-      <p:sp>
-        <p:nvSpPr>
-          <p:cNvPr id="7" name="Rectangle 6"/>
-          <p:cNvSpPr/>
-          <p:nvPr/>
-        </p:nvSpPr>
-        <p:spPr>
-          <a:xfrm>
-            <a:off x="152400" y="5257800"/>
-            <a:ext cx="8839200" cy="584776"/>
-          </a:xfrm>
-          <a:prstGeom prst="rect">
-            <a:avLst/>
-          </a:prstGeom>
-        </p:spPr>
-        <p:txBody>
-          <a:bodyPr wrap="square" lIns="91440">
-            <a:spAutoFit/>
-          </a:bodyPr>
-          <a:lstStyle/>
-          <a:p>
-            <a:pPr>
-              <a:buNone/>
-            </a:pPr>
-            <a:r>
-              <a:rPr lang="en-US" sz="3200" b="1" i="1" dirty="0" smtClean="0">
-                <a:solidFill>
-                  <a:srgbClr val="FF0000"/>
-                </a:solidFill>
-              </a:rPr>
-              <a:t>SNPPR makes it quicker for people to share images</a:t>
-            </a:r>
-          </a:p>
-        </p:txBody>
-      </p:sp>
       <p:pic>
         <p:nvPicPr>
           <p:cNvPr id="6" name="Picture 5"/>
@@ -4329,6 +4176,158 @@
           </a:prstGeom>
         </p:spPr>
       </p:pic>
+      <p:sp>
+        <p:nvSpPr>
+          <p:cNvPr id="2" name="Title 1"/>
+          <p:cNvSpPr>
+            <a:spLocks noGrp="1"/>
+          </p:cNvSpPr>
+          <p:nvPr>
+            <p:ph type="title"/>
+          </p:nvPr>
+        </p:nvSpPr>
+        <p:spPr/>
+        <p:txBody>
+          <a:bodyPr/>
+          <a:lstStyle/>
+          <a:p>
+            <a:r>
+              <a:rPr lang="en-US" dirty="0" smtClean="0"/>
+              <a:t>Why</a:t>
+            </a:r>
+            <a:r>
+              <a:rPr lang="en-US" dirty="0" smtClean="0"/>
+              <a:t> </a:t>
+            </a:r>
+            <a:r>
+              <a:rPr lang="en-US" i="1" dirty="0" smtClean="0">
+                <a:solidFill>
+                  <a:srgbClr val="FF0000"/>
+                </a:solidFill>
+              </a:rPr>
+              <a:t>SNPPR</a:t>
+            </a:r>
+            <a:r>
+              <a:rPr lang="en-US" i="1" dirty="0" smtClean="0">
+                <a:solidFill>
+                  <a:srgbClr val="FF0000"/>
+                </a:solidFill>
+              </a:rPr>
+              <a:t>?</a:t>
+            </a:r>
+            <a:endParaRPr lang="en-US" dirty="0"/>
+          </a:p>
+        </p:txBody>
+      </p:sp>
+      <p:sp>
+        <p:nvSpPr>
+          <p:cNvPr id="3" name="Content Placeholder 2"/>
+          <p:cNvSpPr>
+            <a:spLocks noGrp="1"/>
+          </p:cNvSpPr>
+          <p:nvPr>
+            <p:ph idx="1"/>
+          </p:nvPr>
+        </p:nvSpPr>
+        <p:spPr>
+          <a:xfrm>
+            <a:off x="457200" y="1600200"/>
+            <a:ext cx="8229600" cy="3200399"/>
+          </a:xfrm>
+        </p:spPr>
+        <p:txBody>
+          <a:bodyPr>
+            <a:normAutofit fontScale="85000" lnSpcReduction="10000"/>
+          </a:bodyPr>
+          <a:lstStyle/>
+          <a:p>
+            <a:r>
+              <a:rPr lang="en-US" dirty="0" smtClean="0"/>
+              <a:t>People want to quickly share images and </a:t>
+            </a:r>
+            <a:r>
+              <a:rPr lang="en-US" dirty="0" smtClean="0"/>
+              <a:t>information online,  </a:t>
+            </a:r>
+            <a:r>
+              <a:rPr lang="en-US" dirty="0" smtClean="0"/>
+              <a:t>without having to format or upload each </a:t>
+            </a:r>
+            <a:r>
+              <a:rPr lang="en-US" dirty="0" smtClean="0"/>
+              <a:t>piece</a:t>
+            </a:r>
+          </a:p>
+          <a:p>
+            <a:r>
+              <a:rPr lang="en-US" dirty="0" smtClean="0"/>
+              <a:t>Sending multiple pictures and web links at one time to  friends is still a cumbersome and time-consuming process</a:t>
+            </a:r>
+          </a:p>
+          <a:p>
+            <a:r>
+              <a:rPr lang="en-US" dirty="0" smtClean="0"/>
+              <a:t>Currently available </a:t>
+            </a:r>
+            <a:r>
+              <a:rPr lang="en-US" dirty="0" smtClean="0"/>
+              <a:t>picture-sharing </a:t>
+            </a:r>
+            <a:r>
+              <a:rPr lang="en-US" dirty="0" smtClean="0"/>
+              <a:t>methods are</a:t>
+            </a:r>
+            <a:r>
+              <a:rPr lang="en-US" dirty="0" smtClean="0"/>
+              <a:t> especially confusing and tedious for </a:t>
+            </a:r>
+            <a:r>
+              <a:rPr lang="en-US" dirty="0" smtClean="0"/>
+              <a:t>mature </a:t>
+            </a:r>
+            <a:r>
+              <a:rPr lang="en-US" dirty="0" smtClean="0"/>
+              <a:t>users</a:t>
+            </a:r>
+            <a:endParaRPr lang="en-US" dirty="0" smtClean="0"/>
+          </a:p>
+        </p:txBody>
+      </p:sp>
+      <p:sp>
+        <p:nvSpPr>
+          <p:cNvPr id="7" name="Rectangle 6"/>
+          <p:cNvSpPr/>
+          <p:nvPr/>
+        </p:nvSpPr>
+        <p:spPr>
+          <a:xfrm>
+            <a:off x="152400" y="5257800"/>
+            <a:ext cx="8839200" cy="584776"/>
+          </a:xfrm>
+          <a:prstGeom prst="rect">
+            <a:avLst/>
+          </a:prstGeom>
+        </p:spPr>
+        <p:txBody>
+          <a:bodyPr wrap="square" lIns="91440">
+            <a:spAutoFit/>
+          </a:bodyPr>
+          <a:lstStyle/>
+          <a:p>
+            <a:pPr>
+              <a:buNone/>
+            </a:pPr>
+            <a:r>
+              <a:rPr lang="en-US" sz="3200" b="1" i="1" dirty="0" smtClean="0">
+                <a:solidFill>
+                  <a:srgbClr val="FF0000"/>
+                </a:solidFill>
+              </a:rPr>
+              <a:t>SNPPR makes it quicker for people to share images</a:t>
+            </a:r>
+          </a:p>
+        </p:txBody>
+      </p:sp>
     </p:spTree>
   </p:cSld>
   <p:clrMapOvr>
@@ -4426,39 +4425,99 @@
             </a:r>
             <a:r>
               <a:rPr lang="en-US" sz="2800" dirty="0" smtClean="0"/>
-              <a:t>is for </a:t>
+              <a:t>is </a:t>
             </a:r>
             <a:r>
               <a:rPr lang="en-US" sz="2800" dirty="0" smtClean="0">
                 <a:solidFill>
-                  <a:srgbClr val="008000"/>
+                  <a:srgbClr val="000000"/>
+                </a:solidFill>
+              </a:rPr>
+              <a:t>for </a:t>
+            </a:r>
+            <a:r>
+              <a:rPr lang="en-US" sz="2800" b="1" dirty="0" smtClean="0">
+                <a:solidFill>
+                  <a:srgbClr val="000000"/>
+                </a:solidFill>
+              </a:rPr>
+              <a:t>all </a:t>
+            </a:r>
+            <a:r>
+              <a:rPr lang="en-US" sz="2800" b="1" dirty="0" smtClean="0">
+                <a:solidFill>
+                  <a:srgbClr val="000000"/>
                 </a:solidFill>
               </a:rPr>
               <a:t>people </a:t>
             </a:r>
             <a:r>
-              <a:rPr lang="en-US" sz="2800" dirty="0" smtClean="0"/>
-              <a:t>who</a:t>
-            </a:r>
-            <a:r>
               <a:rPr lang="en-US" sz="2800" dirty="0" smtClean="0">
                 <a:solidFill>
-                  <a:srgbClr val="008000"/>
+                  <a:srgbClr val="000000"/>
                 </a:solidFill>
               </a:rPr>
-              <a:t> want to share images/links with their </a:t>
+              <a:t>who</a:t>
             </a:r>
             <a:r>
               <a:rPr lang="en-US" sz="2800" dirty="0" smtClean="0">
                 <a:solidFill>
-                  <a:srgbClr val="008000"/>
+                  <a:srgbClr val="000000"/>
                 </a:solidFill>
               </a:rPr>
-              <a:t>contacts quickly.</a:t>
+              <a:t> want to </a:t>
+            </a:r>
+            <a:r>
+              <a:rPr lang="en-US" sz="2800" b="1" dirty="0" smtClean="0">
+                <a:solidFill>
+                  <a:srgbClr val="000000"/>
+                </a:solidFill>
+              </a:rPr>
+              <a:t>share </a:t>
+            </a:r>
+            <a:r>
+              <a:rPr lang="en-US" sz="2800" b="1" dirty="0" smtClean="0">
+                <a:solidFill>
+                  <a:srgbClr val="000000"/>
+                </a:solidFill>
+              </a:rPr>
+              <a:t>images and links </a:t>
+            </a:r>
+            <a:r>
+              <a:rPr lang="en-US" sz="2800" dirty="0" smtClean="0">
+                <a:solidFill>
+                  <a:srgbClr val="000000"/>
+                </a:solidFill>
+              </a:rPr>
+              <a:t>with their </a:t>
+            </a:r>
+            <a:r>
+              <a:rPr lang="en-US" sz="2800" dirty="0" smtClean="0">
+                <a:solidFill>
+                  <a:srgbClr val="000000"/>
+                </a:solidFill>
+              </a:rPr>
+              <a:t>contacts </a:t>
+            </a:r>
+            <a:r>
+              <a:rPr lang="en-US" sz="2800" b="1" dirty="0" smtClean="0">
+                <a:solidFill>
+                  <a:srgbClr val="000000"/>
+                </a:solidFill>
+              </a:rPr>
+              <a:t>quickly</a:t>
+            </a:r>
+            <a:r>
+              <a:rPr lang="en-US" sz="2800" dirty="0" smtClean="0">
+                <a:solidFill>
+                  <a:srgbClr val="000000"/>
+                </a:solidFill>
+              </a:rPr>
+              <a:t>.</a:t>
             </a:r>
             <a:endParaRPr lang="en-US" sz="2800" dirty="0" smtClean="0">
               <a:solidFill>
-                <a:srgbClr val="008000"/>
+                <a:srgbClr val="000000"/>
               </a:solidFill>
             </a:endParaRPr>
           </a:p>
@@ -4479,77 +4538,89 @@
               <a:t>is </a:t>
             </a:r>
             <a:r>
-              <a:rPr lang="en-US" sz="2800" dirty="0" smtClean="0"/>
-              <a:t>a</a:t>
-            </a:r>
-            <a:r>
-              <a:rPr lang="en-US" sz="2800" dirty="0" smtClean="0"/>
-              <a:t> </a:t>
-            </a:r>
-            <a:r>
               <a:rPr lang="en-US" sz="2800" dirty="0" smtClean="0">
                 <a:solidFill>
-                  <a:srgbClr val="008000"/>
+                  <a:srgbClr val="000000"/>
                 </a:solidFill>
               </a:rPr>
-              <a:t>web application</a:t>
-            </a:r>
-            <a:r>
-              <a:rPr lang="en-US" sz="2800" dirty="0" smtClean="0"/>
-              <a:t> </a:t>
-            </a:r>
-            <a:r>
-              <a:rPr lang="en-US" sz="2800" dirty="0" smtClean="0"/>
-              <a:t>that</a:t>
-            </a:r>
-            <a:r>
-              <a:rPr lang="en-US" sz="2800" dirty="0" smtClean="0"/>
-              <a:t> </a:t>
+              <a:t>a</a:t>
             </a:r>
             <a:r>
               <a:rPr lang="en-US" sz="2800" dirty="0" smtClean="0">
                 <a:solidFill>
-                  <a:srgbClr val="008000"/>
+                  <a:srgbClr val="000000"/>
                 </a:solidFill>
               </a:rPr>
-              <a:t>gives </a:t>
+              <a:t> </a:t>
+            </a:r>
+            <a:r>
+              <a:rPr lang="en-US" sz="2800" b="1" dirty="0" smtClean="0">
+                <a:solidFill>
+                  <a:srgbClr val="000000"/>
+                </a:solidFill>
+              </a:rPr>
+              <a:t>web application </a:t>
             </a:r>
             <a:r>
               <a:rPr lang="en-US" sz="2800" dirty="0" smtClean="0">
                 <a:solidFill>
-                  <a:srgbClr val="008000"/>
+                  <a:srgbClr val="000000"/>
                 </a:solidFill>
               </a:rPr>
-              <a:t>users a simple interface to share quick </a:t>
+              <a:t>that</a:t>
             </a:r>
             <a:r>
               <a:rPr lang="en-US" sz="2800" dirty="0" smtClean="0">
                 <a:solidFill>
-                  <a:srgbClr val="008000"/>
+                  <a:srgbClr val="000000"/>
                 </a:solidFill>
               </a:rPr>
-              <a:t>pictures/links</a:t>
-            </a:r>
-            <a:r>
-              <a:rPr lang="en-US" sz="2800" dirty="0" smtClean="0"/>
-              <a:t>.</a:t>
-            </a:r>
-          </a:p>
-          <a:p>
-            <a:pPr>
-              <a:buNone/>
-            </a:pPr>
-            <a:r>
-              <a:rPr lang="en-US" sz="2800" dirty="0" smtClean="0"/>
-              <a:t>Unlike </a:t>
+              <a:t> gives </a:t>
             </a:r>
             <a:r>
               <a:rPr lang="en-US" sz="2800" dirty="0" smtClean="0">
                 <a:solidFill>
-                  <a:srgbClr val="008000"/>
+                  <a:srgbClr val="000000"/>
                 </a:solidFill>
               </a:rPr>
-              <a:t>current cut-and-paste methods, </a:t>
+              <a:t>users </a:t>
+            </a:r>
+            <a:r>
+              <a:rPr lang="en-US" sz="2800" b="1" dirty="0" smtClean="0">
+                <a:solidFill>
+                  <a:srgbClr val="000000"/>
+                </a:solidFill>
+              </a:rPr>
+              <a:t>a simple interface </a:t>
+            </a:r>
+            <a:r>
+              <a:rPr lang="en-US" sz="2800" dirty="0" smtClean="0">
+                <a:solidFill>
+                  <a:srgbClr val="000000"/>
+                </a:solidFill>
+              </a:rPr>
+              <a:t>to share quick </a:t>
+            </a:r>
+            <a:r>
+              <a:rPr lang="en-US" sz="2800" dirty="0" smtClean="0">
+                <a:solidFill>
+                  <a:srgbClr val="000000"/>
+                </a:solidFill>
+              </a:rPr>
+              <a:t>pictures and links.</a:t>
+            </a:r>
+          </a:p>
+          <a:p>
+            <a:pPr>
+              <a:buNone/>
+            </a:pPr>
+            <a:r>
+              <a:rPr lang="en-US" sz="2800" dirty="0" smtClean="0">
+                <a:solidFill>
+                  <a:srgbClr val="000000"/>
+                </a:solidFill>
+              </a:rPr>
+              <a:t>Unlike current cut-and-paste methods, </a:t>
             </a:r>
             <a:r>
               <a:rPr lang="en-US" sz="2800" i="1" dirty="0" smtClean="0">
@@ -4560,48 +4631,25 @@
               <a:t>SNPPR </a:t>
             </a:r>
             <a:r>
-              <a:rPr lang="en-US" sz="2800" dirty="0" smtClean="0">
-                <a:solidFill>
-                  <a:srgbClr val="008000"/>
-                </a:solidFill>
-              </a:rPr>
+              <a:rPr lang="en-US" sz="2800" dirty="0" smtClean="0"/>
               <a:t>gives </a:t>
             </a:r>
             <a:r>
-              <a:rPr lang="en-US" sz="2800" dirty="0" smtClean="0">
-                <a:solidFill>
-                  <a:srgbClr val="008000"/>
-                </a:solidFill>
-              </a:rPr>
-              <a:t>a quick way to spread information with trusted </a:t>
-            </a:r>
-            <a:r>
-              <a:rPr lang="en-US" sz="2800" dirty="0" smtClean="0">
-                <a:solidFill>
-                  <a:srgbClr val="008000"/>
-                </a:solidFill>
-              </a:rPr>
-              <a:t>contacts</a:t>
-            </a:r>
-            <a:r>
               <a:rPr lang="en-US" sz="2800" dirty="0" smtClean="0"/>
-              <a:t>.</a:t>
-            </a:r>
-          </a:p>
-          <a:p>
-            <a:pPr>
-              <a:buFontTx/>
-              <a:buChar char="-"/>
-            </a:pPr>
-            <a:r>
-              <a:rPr lang="en-US" sz="2800" dirty="0" smtClean="0">
-                <a:solidFill>
-                  <a:srgbClr val="008000"/>
-                </a:solidFill>
-              </a:rPr>
-              <a:t>technically challenged users (and people who want to create quick reference lists)]</a:t>
-            </a:r>
-            <a:endParaRPr lang="en-US" sz="2800" dirty="0"/>
+              <a:t>a </a:t>
+            </a:r>
+            <a:r>
+              <a:rPr lang="en-US" sz="2800" b="1" dirty="0" smtClean="0"/>
+              <a:t>quick way to spread information </a:t>
+            </a:r>
+            <a:r>
+              <a:rPr lang="en-US" sz="2800" dirty="0" smtClean="0"/>
+              <a:t>with</a:t>
+            </a:r>
+            <a:r>
+              <a:rPr lang="en-US" sz="2800" dirty="0" smtClean="0"/>
+              <a:t> any and all contacts.</a:t>
+            </a:r>
           </a:p>
         </p:txBody>
       </p:sp>
@@ -4747,35 +4795,48 @@
           <a:p>
             <a:r>
               <a:rPr lang="en-US" dirty="0" smtClean="0"/>
-              <a:t>What does the project look like?</a:t>
+              <a:t>So what does </a:t>
+            </a:r>
+            <a:r>
+              <a:rPr lang="en-US" i="1" dirty="0" smtClean="0">
+                <a:solidFill>
+                  <a:srgbClr val="FF0000"/>
+                </a:solidFill>
+              </a:rPr>
+              <a:t>SNPPR </a:t>
+            </a:r>
+            <a:r>
+              <a:rPr lang="en-US" dirty="0" smtClean="0"/>
+              <a:t>look like?</a:t>
             </a:r>
             <a:endParaRPr lang="en-US" dirty="0"/>
           </a:p>
         </p:txBody>
       </p:sp>
-      <p:sp>
-        <p:nvSpPr>
-          <p:cNvPr id="3" name="Content Placeholder 2"/>
-          <p:cNvSpPr>
-            <a:spLocks noGrp="1"/>
-          </p:cNvSpPr>
-          <p:nvPr>
-            <p:ph idx="1"/>
-          </p:nvPr>
-        </p:nvSpPr>
-        <p:spPr/>
-        <p:txBody>
-          <a:bodyPr/>
-          <a:lstStyle/>
-          <a:p>
-            <a:r>
-              <a:rPr lang="en-US" dirty="0" smtClean="0"/>
-              <a:t>(Incorporate screenshots/images of the site/application here)</a:t>
-            </a:r>
-            <a:endParaRPr lang="en-US" dirty="0"/>
-          </a:p>
-        </p:txBody>
-      </p:sp>
+      <p:pic>
+        <p:nvPicPr>
+          <p:cNvPr id="4" name="Picture 3"/>
+          <p:cNvPicPr>
+            <a:picLocks noChangeAspect="1"/>
+          </p:cNvPicPr>
+          <p:nvPr/>
+        </p:nvPicPr>
+        <p:blipFill>
+          <a:blip r:embed="rId2"/>
+          <a:stretch>
+            <a:fillRect/>
+          </a:stretch>
+        </p:blipFill>
+        <p:spPr>
+          <a:xfrm>
+            <a:off x="122174" y="1417638"/>
+            <a:ext cx="9021826" cy="4003769"/>
+          </a:xfrm>
+          <a:prstGeom prst="rect">
+            <a:avLst/>
+          </a:prstGeom>
+        </p:spPr>
+      </p:pic>
     </p:spTree>
   </p:cSld>
   <p:clrMapOvr>
@@ -4818,254 +4879,74 @@
           <a:p>
             <a:r>
               <a:rPr lang="en-US" dirty="0" smtClean="0"/>
-              <a:t>The NOT List</a:t>
+              <a:t>What’s IN, What’s </a:t>
+            </a:r>
+            <a:r>
+              <a:rPr lang="en-US" dirty="0" smtClean="0"/>
+              <a:t>OUT</a:t>
             </a:r>
             <a:endParaRPr lang="en-US" dirty="0"/>
           </a:p>
         </p:txBody>
       </p:sp>
-      <p:graphicFrame>
-        <p:nvGraphicFramePr>
-          <p:cNvPr id="7" name="Table 6"/>
-          <p:cNvGraphicFramePr>
-            <a:graphicFrameLocks noGrp="1"/>
-          </p:cNvGraphicFramePr>
+      <p:sp>
+        <p:nvSpPr>
+          <p:cNvPr id="5" name="TextBox 4"/>
+          <p:cNvSpPr txBox="1"/>
           <p:nvPr/>
-        </p:nvGraphicFramePr>
-        <p:xfrm>
-          <a:off x="381000" y="1397000"/>
-          <a:ext cx="8458200" cy="3162300"/>
-        </p:xfrm>
-        <a:graphic>
-          <a:graphicData uri="http://schemas.openxmlformats.org/drawingml/2006/table">
-            <a:tbl>
-              <a:tblPr firstRow="1" bandRow="1">
-                <a:tableStyleId>{5C22544A-7EE6-4342-B048-85BDC9FD1C3A}</a:tableStyleId>
-              </a:tblPr>
-              <a:tblGrid>
-                <a:gridCol w="4229100"/>
-                <a:gridCol w="4229100"/>
-              </a:tblGrid>
-              <a:tr h="370840">
-                <a:tc>
-                  <a:txBody>
-                    <a:bodyPr/>
-                    <a:lstStyle/>
-                    <a:p>
-                      <a:pPr algn="ctr"/>
-                      <a:r>
-                        <a:rPr lang="en-CA" sz="3200" dirty="0" smtClean="0"/>
-                        <a:t>IN</a:t>
-                      </a:r>
-                      <a:endParaRPr lang="en-CA" dirty="0"/>
-                    </a:p>
-                  </a:txBody>
-                  <a:tcPr/>
-                </a:tc>
-                <a:tc>
-                  <a:txBody>
-                    <a:bodyPr/>
-                    <a:lstStyle/>
-                    <a:p>
-                      <a:pPr algn="ctr"/>
-                      <a:r>
-                        <a:rPr lang="en-CA" sz="2800" dirty="0" smtClean="0"/>
-                        <a:t>OUT</a:t>
-                      </a:r>
-                      <a:endParaRPr lang="en-CA" dirty="0"/>
-                    </a:p>
-                  </a:txBody>
-                  <a:tcPr/>
-                </a:tc>
-              </a:tr>
-              <a:tr h="370840">
-                <a:tc>
-                  <a:txBody>
-                    <a:bodyPr/>
-                    <a:lstStyle/>
-                    <a:p>
-                      <a:r>
-                        <a:rPr lang="en-CA" dirty="0" smtClean="0"/>
-                        <a:t>Image-sharing</a:t>
-                      </a:r>
-                      <a:endParaRPr lang="en-CA" dirty="0"/>
-                    </a:p>
-                  </a:txBody>
-                  <a:tcPr/>
-                </a:tc>
-                <a:tc>
-                  <a:txBody>
-                    <a:bodyPr/>
-                    <a:lstStyle/>
-                    <a:p>
-                      <a:r>
-                        <a:rPr lang="en-CA" dirty="0" smtClean="0"/>
-                        <a:t>Hosting</a:t>
-                      </a:r>
-                      <a:r>
-                        <a:rPr lang="en-CA" baseline="0" dirty="0" smtClean="0"/>
-                        <a:t> and sharing offline images</a:t>
-                      </a:r>
-                      <a:endParaRPr lang="en-CA" dirty="0"/>
-                    </a:p>
-                  </a:txBody>
-                  <a:tcPr/>
-                </a:tc>
-              </a:tr>
-              <a:tr h="370840">
-                <a:tc>
-                  <a:txBody>
-                    <a:bodyPr/>
-                    <a:lstStyle/>
-                    <a:p>
-                      <a:r>
-                        <a:rPr lang="en-CA" dirty="0" smtClean="0"/>
-                        <a:t>Link-sharing</a:t>
-                      </a:r>
-                      <a:endParaRPr lang="en-CA" dirty="0"/>
-                    </a:p>
-                  </a:txBody>
-                  <a:tcPr/>
-                </a:tc>
-                <a:tc>
-                  <a:txBody>
-                    <a:bodyPr/>
-                    <a:lstStyle/>
-                    <a:p>
-                      <a:endParaRPr lang="en-CA" dirty="0"/>
-                    </a:p>
-                  </a:txBody>
-                  <a:tcPr/>
-                </a:tc>
-              </a:tr>
-              <a:tr h="370840">
-                <a:tc>
-                  <a:txBody>
-                    <a:bodyPr/>
-                    <a:lstStyle/>
-                    <a:p>
-                      <a:endParaRPr lang="en-CA" dirty="0"/>
-                    </a:p>
-                  </a:txBody>
-                  <a:tcPr/>
-                </a:tc>
-                <a:tc>
-                  <a:txBody>
-                    <a:bodyPr/>
-                    <a:lstStyle/>
-                    <a:p>
-                      <a:endParaRPr lang="en-CA" dirty="0"/>
-                    </a:p>
-                  </a:txBody>
-                  <a:tcPr/>
-                </a:tc>
-              </a:tr>
-              <a:tr h="370840">
-                <a:tc>
-                  <a:txBody>
-                    <a:bodyPr/>
-                    <a:lstStyle/>
-                    <a:p>
-                      <a:endParaRPr lang="en-CA" dirty="0"/>
-                    </a:p>
-                  </a:txBody>
-                  <a:tcPr/>
-                </a:tc>
-                <a:tc>
-                  <a:txBody>
-                    <a:bodyPr/>
-                    <a:lstStyle/>
-                    <a:p>
-                      <a:pPr marL="0" marR="0" indent="0" algn="l" defTabSz="457200" rtl="0" eaLnBrk="1" fontAlgn="auto" latinLnBrk="0" hangingPunct="1">
-                        <a:lnSpc>
-                          <a:spcPct val="100000"/>
-                        </a:lnSpc>
-                        <a:spcBef>
-                          <a:spcPts val="0"/>
-                        </a:spcBef>
-                        <a:spcAft>
-                          <a:spcPts val="0"/>
-                        </a:spcAft>
-                        <a:buClrTx/>
-                        <a:buSzTx/>
-                        <a:buFontTx/>
-                        <a:buNone/>
-                        <a:tabLst/>
-                        <a:defRPr/>
-                      </a:pPr>
-                      <a:r>
-                        <a:rPr lang="en-CA" dirty="0" smtClean="0"/>
-                        <a:t>Guest</a:t>
-                      </a:r>
-                      <a:r>
-                        <a:rPr lang="en-CA" baseline="0" dirty="0" smtClean="0"/>
-                        <a:t> functionality</a:t>
-                      </a:r>
-                      <a:endParaRPr lang="en-CA" dirty="0" smtClean="0"/>
-                    </a:p>
-                    <a:p>
-                      <a:endParaRPr lang="en-CA" dirty="0"/>
-                    </a:p>
-                  </a:txBody>
-                  <a:tcPr/>
-                </a:tc>
-              </a:tr>
-              <a:tr h="370840">
-                <a:tc>
-                  <a:txBody>
-                    <a:bodyPr/>
-                    <a:lstStyle/>
-                    <a:p>
-                      <a:r>
-                        <a:rPr lang="en-CA" dirty="0" smtClean="0"/>
-                        <a:t>UNRESOLVED</a:t>
-                      </a:r>
-                      <a:r>
-                        <a:rPr lang="en-CA" baseline="0" dirty="0" smtClean="0"/>
-                        <a:t> – Chrome Extension and other browser support</a:t>
-                      </a:r>
-                      <a:endParaRPr lang="en-CA" dirty="0"/>
-                    </a:p>
-                  </a:txBody>
-                  <a:tcPr/>
-                </a:tc>
-                <a:tc>
-                  <a:txBody>
-                    <a:bodyPr/>
-                    <a:lstStyle/>
-                    <a:p>
-                      <a:endParaRPr lang="en-CA" dirty="0"/>
-                    </a:p>
-                  </a:txBody>
-                  <a:tcPr/>
-                </a:tc>
-              </a:tr>
-              <a:tr h="370840">
-                <a:tc>
-                  <a:txBody>
-                    <a:bodyPr/>
-                    <a:lstStyle/>
-                    <a:p>
-                      <a:endParaRPr lang="en-CA" dirty="0"/>
-                    </a:p>
-                  </a:txBody>
-                  <a:tcPr/>
-                </a:tc>
-                <a:tc>
-                  <a:txBody>
-                    <a:bodyPr/>
-                    <a:lstStyle/>
-                    <a:p>
-                      <a:endParaRPr lang="en-CA" dirty="0"/>
-                    </a:p>
-                  </a:txBody>
-                  <a:tcPr/>
-                </a:tc>
-              </a:tr>
-            </a:tbl>
-          </a:graphicData>
-        </a:graphic>
-      </p:graphicFrame>
+        </p:nvSpPr>
+        <p:spPr>
+          <a:xfrm>
+            <a:off x="838200" y="1981200"/>
+            <a:ext cx="5647700" cy="1754327"/>
+          </a:xfrm>
+          <a:prstGeom prst="rect">
+            <a:avLst/>
+          </a:prstGeom>
+          <a:noFill/>
+        </p:spPr>
+        <p:txBody>
+          <a:bodyPr wrap="none" rtlCol="0">
+            <a:spAutoFit/>
+          </a:bodyPr>
+          <a:lstStyle/>
+          <a:p>
+            <a:r>
+              <a:rPr lang="en-US" dirty="0" smtClean="0"/>
+              <a:t>IN: Image-sharing</a:t>
+            </a:r>
+          </a:p>
+          <a:p>
+            <a:r>
+              <a:rPr lang="en-US" dirty="0" smtClean="0"/>
+              <a:t>IN: Link-sharing</a:t>
+            </a:r>
+          </a:p>
+          <a:p>
+            <a:endParaRPr lang="en-US" dirty="0" smtClean="0"/>
+          </a:p>
+          <a:p>
+            <a:r>
+              <a:rPr lang="en-US" dirty="0" smtClean="0"/>
+              <a:t>o</a:t>
+            </a:r>
+            <a:r>
+              <a:rPr lang="en-US" dirty="0" smtClean="0"/>
+              <a:t>ut:  Hosting and sharing offline images</a:t>
+            </a:r>
+          </a:p>
+          <a:p>
+            <a:endParaRPr lang="en-US" dirty="0" smtClean="0"/>
+          </a:p>
+          <a:p>
+            <a:r>
+              <a:rPr lang="en-US" dirty="0" smtClean="0"/>
+              <a:t>Unresolved: Chrome Extension and other browser support</a:t>
+            </a:r>
+            <a:endParaRPr lang="en-US" dirty="0"/>
+          </a:p>
+        </p:txBody>
+      </p:sp>
     </p:spTree>
   </p:cSld>
   <p:clrMapOvr>
@@ -6090,7 +5971,7 @@
 <file path=ppt/theme/theme1.xml><?xml version="1.0" encoding="utf-8"?>
 <a:theme xmlns:a="http://schemas.openxmlformats.org/drawingml/2006/main" name="Office Theme">
   <a:themeElements>
-    <a:clrScheme name="Office">
+    <a:clrScheme name="Grayscale">
       <a:dk1>
         <a:sysClr val="windowText" lastClr="000000"/>
       </a:dk1>
@@ -6098,34 +5979,34 @@
         <a:sysClr val="window" lastClr="FFFFFF"/>
       </a:lt1>
       <a:dk2>
-        <a:srgbClr val="1F497D"/>
+        <a:srgbClr val="000000"/>
       </a:dk2>
       <a:lt2>
-        <a:srgbClr val="EEECE1"/>
+        <a:srgbClr val="F8F8F8"/>
       </a:lt2>
       <a:accent1>
-        <a:srgbClr val="4F81BD"/>
+        <a:srgbClr val="DDDDDD"/>
       </a:accent1>
       <a:accent2>
-        <a:srgbClr val="C0504D"/>
+        <a:srgbClr val="B2B2B2"/>
       </a:accent2>
       <a:accent3>
-        <a:srgbClr val="9BBB59"/>
+        <a:srgbClr val="969696"/>
       </a:accent3>
       <a:accent4>
-        <a:srgbClr val="8064A2"/>
+        <a:srgbClr val="808080"/>
       </a:accent4>
       <a:accent5>
-        <a:srgbClr val="4BACC6"/>
+        <a:srgbClr val="5F5F5F"/>
       </a:accent5>
       <a:accent6>
-        <a:srgbClr val="F79646"/>
+        <a:srgbClr val="4D4D4D"/>
       </a:accent6>
       <a:hlink>
-        <a:srgbClr val="0000FF"/>
+        <a:srgbClr val="5F5F5F"/>
       </a:hlink>
       <a:folHlink>
-        <a:srgbClr val="800080"/>
+        <a:srgbClr val="919191"/>
       </a:folHlink>
     </a:clrScheme>
     <a:fontScheme name="Office">
